--- a/docs/talks/gRPC nologo.pptx
+++ b/docs/talks/gRPC nologo.pptx
@@ -5,7 +5,7 @@
     <p:sldMasterId id="2147483648" r:id="rId1"/>
   </p:sldMasterIdLst>
   <p:notesMasterIdLst>
-    <p:notesMasterId r:id="rId37"/>
+    <p:notesMasterId r:id="rId38"/>
   </p:notesMasterIdLst>
   <p:sldIdLst>
     <p:sldId id="256" r:id="rId2"/>
@@ -40,9 +40,10 @@
     <p:sldId id="304" r:id="rId31"/>
     <p:sldId id="305" r:id="rId32"/>
     <p:sldId id="306" r:id="rId33"/>
-    <p:sldId id="286" r:id="rId34"/>
-    <p:sldId id="287" r:id="rId35"/>
-    <p:sldId id="288" r:id="rId36"/>
+    <p:sldId id="309" r:id="rId34"/>
+    <p:sldId id="286" r:id="rId35"/>
+    <p:sldId id="287" r:id="rId36"/>
+    <p:sldId id="288" r:id="rId37"/>
   </p:sldIdLst>
   <p:sldSz cx="12192000" cy="6858000"/>
   <p:notesSz cx="6858000" cy="9144000"/>
@@ -231,7 +232,7 @@
           <a:p>
             <a:fld id="{C15D8BBE-15F5-4B28-B2DB-1CC350310DBA}" type="datetimeFigureOut">
               <a:rPr lang="en-GB" smtClean="0"/>
-              <a:t>02/09/2019</a:t>
+              <a:t>04/09/2019</a:t>
             </a:fld>
             <a:endParaRPr lang="en-GB"/>
           </a:p>
@@ -2741,8 +2742,9 @@
           <a:p>
             <a:r>
               <a:rPr lang="en-US" dirty="0"/>
-              <a:t>42:30-43:30</a:t>
-            </a:r>
+              <a:t>37:30-42:30</a:t>
+            </a:r>
+            <a:endParaRPr lang="en-GB" dirty="0"/>
           </a:p>
         </p:txBody>
       </p:sp>
@@ -2772,7 +2774,7 @@
     </p:spTree>
     <p:extLst>
       <p:ext uri="{BB962C8B-B14F-4D97-AF65-F5344CB8AC3E}">
-        <p14:creationId xmlns:p14="http://schemas.microsoft.com/office/powerpoint/2010/main" val="3054020405"/>
+        <p14:creationId xmlns:p14="http://schemas.microsoft.com/office/powerpoint/2010/main" val="17532424"/>
       </p:ext>
     </p:extLst>
   </p:cSld>
@@ -2827,10 +2829,9 @@
           <a:lstStyle/>
           <a:p>
             <a:r>
-              <a:rPr lang="en-US"/>
-              <a:t>43:30-44:30</a:t>
-            </a:r>
-            <a:endParaRPr lang="en-GB" dirty="0"/>
+              <a:rPr lang="en-US" dirty="0"/>
+              <a:t>42:30-43:30</a:t>
+            </a:r>
           </a:p>
         </p:txBody>
       </p:sp>
@@ -2852,6 +2853,94 @@
             <a:fld id="{922D8903-75C5-451C-9BFC-CC45B21B96D5}" type="slidenum">
               <a:rPr lang="en-GB" smtClean="0"/>
               <a:t>34</a:t>
+            </a:fld>
+            <a:endParaRPr lang="en-GB"/>
+          </a:p>
+        </p:txBody>
+      </p:sp>
+    </p:spTree>
+    <p:extLst>
+      <p:ext uri="{BB962C8B-B14F-4D97-AF65-F5344CB8AC3E}">
+        <p14:creationId xmlns:p14="http://schemas.microsoft.com/office/powerpoint/2010/main" val="3054020405"/>
+      </p:ext>
+    </p:extLst>
+  </p:cSld>
+  <p:clrMapOvr>
+    <a:masterClrMapping/>
+  </p:clrMapOvr>
+</p:notes>
+</file>
+
+<file path=ppt/notesSlides/notesSlide34.xml><?xml version="1.0" encoding="utf-8"?>
+<p:notes xmlns:a="http://schemas.openxmlformats.org/drawingml/2006/main" xmlns:r="http://schemas.openxmlformats.org/officeDocument/2006/relationships" xmlns:p="http://schemas.openxmlformats.org/presentationml/2006/main">
+  <p:cSld>
+    <p:spTree>
+      <p:nvGrpSpPr>
+        <p:cNvPr id="1" name=""/>
+        <p:cNvGrpSpPr/>
+        <p:nvPr/>
+      </p:nvGrpSpPr>
+      <p:grpSpPr>
+        <a:xfrm>
+          <a:off x="0" y="0"/>
+          <a:ext cx="0" cy="0"/>
+          <a:chOff x="0" y="0"/>
+          <a:chExt cx="0" cy="0"/>
+        </a:xfrm>
+      </p:grpSpPr>
+      <p:sp>
+        <p:nvSpPr>
+          <p:cNvPr id="2" name="Slide Image Placeholder 1"/>
+          <p:cNvSpPr>
+            <a:spLocks noGrp="1" noRot="1" noChangeAspect="1"/>
+          </p:cNvSpPr>
+          <p:nvPr>
+            <p:ph type="sldImg"/>
+          </p:nvPr>
+        </p:nvSpPr>
+        <p:spPr/>
+      </p:sp>
+      <p:sp>
+        <p:nvSpPr>
+          <p:cNvPr id="3" name="Notes Placeholder 2"/>
+          <p:cNvSpPr>
+            <a:spLocks noGrp="1"/>
+          </p:cNvSpPr>
+          <p:nvPr>
+            <p:ph type="body" idx="1"/>
+          </p:nvPr>
+        </p:nvSpPr>
+        <p:spPr/>
+        <p:txBody>
+          <a:bodyPr/>
+          <a:lstStyle/>
+          <a:p>
+            <a:r>
+              <a:rPr lang="en-US"/>
+              <a:t>43:30-44:30</a:t>
+            </a:r>
+            <a:endParaRPr lang="en-GB" dirty="0"/>
+          </a:p>
+        </p:txBody>
+      </p:sp>
+      <p:sp>
+        <p:nvSpPr>
+          <p:cNvPr id="4" name="Slide Number Placeholder 3"/>
+          <p:cNvSpPr>
+            <a:spLocks noGrp="1"/>
+          </p:cNvSpPr>
+          <p:nvPr>
+            <p:ph type="sldNum" sz="quarter" idx="5"/>
+          </p:nvPr>
+        </p:nvSpPr>
+        <p:spPr/>
+        <p:txBody>
+          <a:bodyPr/>
+          <a:lstStyle/>
+          <a:p>
+            <a:fld id="{922D8903-75C5-451C-9BFC-CC45B21B96D5}" type="slidenum">
+              <a:rPr lang="en-GB" smtClean="0"/>
+              <a:t>35</a:t>
             </a:fld>
             <a:endParaRPr lang="en-GB"/>
           </a:p>
@@ -3543,7 +3632,7 @@
           <a:p>
             <a:fld id="{7D3DA4C0-E82A-4F47-8DE6-FC39AE56731A}" type="datetimeFigureOut">
               <a:rPr lang="en-GB" smtClean="0"/>
-              <a:t>02/09/2019</a:t>
+              <a:t>04/09/2019</a:t>
             </a:fld>
             <a:endParaRPr lang="en-GB"/>
           </a:p>
@@ -3743,7 +3832,7 @@
           <a:p>
             <a:fld id="{7D3DA4C0-E82A-4F47-8DE6-FC39AE56731A}" type="datetimeFigureOut">
               <a:rPr lang="en-GB" smtClean="0"/>
-              <a:t>02/09/2019</a:t>
+              <a:t>04/09/2019</a:t>
             </a:fld>
             <a:endParaRPr lang="en-GB"/>
           </a:p>
@@ -3953,7 +4042,7 @@
           <a:p>
             <a:fld id="{7D3DA4C0-E82A-4F47-8DE6-FC39AE56731A}" type="datetimeFigureOut">
               <a:rPr lang="en-GB" smtClean="0"/>
-              <a:t>02/09/2019</a:t>
+              <a:t>04/09/2019</a:t>
             </a:fld>
             <a:endParaRPr lang="en-GB"/>
           </a:p>
@@ -4153,7 +4242,7 @@
           <a:p>
             <a:fld id="{7D3DA4C0-E82A-4F47-8DE6-FC39AE56731A}" type="datetimeFigureOut">
               <a:rPr lang="en-GB" smtClean="0"/>
-              <a:t>02/09/2019</a:t>
+              <a:t>04/09/2019</a:t>
             </a:fld>
             <a:endParaRPr lang="en-GB"/>
           </a:p>
@@ -4429,7 +4518,7 @@
           <a:p>
             <a:fld id="{7D3DA4C0-E82A-4F47-8DE6-FC39AE56731A}" type="datetimeFigureOut">
               <a:rPr lang="en-GB" smtClean="0"/>
-              <a:t>02/09/2019</a:t>
+              <a:t>04/09/2019</a:t>
             </a:fld>
             <a:endParaRPr lang="en-GB"/>
           </a:p>
@@ -4697,7 +4786,7 @@
           <a:p>
             <a:fld id="{7D3DA4C0-E82A-4F47-8DE6-FC39AE56731A}" type="datetimeFigureOut">
               <a:rPr lang="en-GB" smtClean="0"/>
-              <a:t>02/09/2019</a:t>
+              <a:t>04/09/2019</a:t>
             </a:fld>
             <a:endParaRPr lang="en-GB"/>
           </a:p>
@@ -5112,7 +5201,7 @@
           <a:p>
             <a:fld id="{7D3DA4C0-E82A-4F47-8DE6-FC39AE56731A}" type="datetimeFigureOut">
               <a:rPr lang="en-GB" smtClean="0"/>
-              <a:t>02/09/2019</a:t>
+              <a:t>04/09/2019</a:t>
             </a:fld>
             <a:endParaRPr lang="en-GB"/>
           </a:p>
@@ -5254,7 +5343,7 @@
           <a:p>
             <a:fld id="{7D3DA4C0-E82A-4F47-8DE6-FC39AE56731A}" type="datetimeFigureOut">
               <a:rPr lang="en-GB" smtClean="0"/>
-              <a:t>02/09/2019</a:t>
+              <a:t>04/09/2019</a:t>
             </a:fld>
             <a:endParaRPr lang="en-GB"/>
           </a:p>
@@ -5367,7 +5456,7 @@
           <a:p>
             <a:fld id="{7D3DA4C0-E82A-4F47-8DE6-FC39AE56731A}" type="datetimeFigureOut">
               <a:rPr lang="en-GB" smtClean="0"/>
-              <a:t>02/09/2019</a:t>
+              <a:t>04/09/2019</a:t>
             </a:fld>
             <a:endParaRPr lang="en-GB"/>
           </a:p>
@@ -5680,7 +5769,7 @@
           <a:p>
             <a:fld id="{7D3DA4C0-E82A-4F47-8DE6-FC39AE56731A}" type="datetimeFigureOut">
               <a:rPr lang="en-GB" smtClean="0"/>
-              <a:t>02/09/2019</a:t>
+              <a:t>04/09/2019</a:t>
             </a:fld>
             <a:endParaRPr lang="en-GB"/>
           </a:p>
@@ -5969,7 +6058,7 @@
           <a:p>
             <a:fld id="{7D3DA4C0-E82A-4F47-8DE6-FC39AE56731A}" type="datetimeFigureOut">
               <a:rPr lang="en-GB" smtClean="0"/>
-              <a:t>02/09/2019</a:t>
+              <a:t>04/09/2019</a:t>
             </a:fld>
             <a:endParaRPr lang="en-GB"/>
           </a:p>
@@ -6212,7 +6301,7 @@
           <a:p>
             <a:fld id="{7D3DA4C0-E82A-4F47-8DE6-FC39AE56731A}" type="datetimeFigureOut">
               <a:rPr lang="en-GB" smtClean="0"/>
-              <a:t>02/09/2019</a:t>
+              <a:t>04/09/2019</a:t>
             </a:fld>
             <a:endParaRPr lang="en-GB"/>
           </a:p>
@@ -15972,6 +16061,117 @@
       </p:grpSpPr>
       <p:sp>
         <p:nvSpPr>
+          <p:cNvPr id="7" name="Title 1">
+            <a:extLst>
+              <a:ext uri="{FF2B5EF4-FFF2-40B4-BE49-F238E27FC236}">
+                <a16:creationId xmlns:a16="http://schemas.microsoft.com/office/drawing/2014/main" id="{46D44C8A-A562-480A-A49E-AC20269B8AFF}"/>
+              </a:ext>
+            </a:extLst>
+          </p:cNvPr>
+          <p:cNvSpPr>
+            <a:spLocks noGrp="1"/>
+          </p:cNvSpPr>
+          <p:nvPr>
+            <p:ph type="title"/>
+          </p:nvPr>
+        </p:nvSpPr>
+        <p:spPr>
+          <a:xfrm>
+            <a:off x="838200" y="365125"/>
+            <a:ext cx="10515600" cy="1753607"/>
+          </a:xfrm>
+        </p:spPr>
+        <p:txBody>
+          <a:bodyPr/>
+          <a:lstStyle/>
+          <a:p>
+            <a:r>
+              <a:rPr lang="en-US" dirty="0"/>
+              <a:t>What is new in </a:t>
+            </a:r>
+            <a:r>
+              <a:rPr lang="en-US" dirty="0" err="1"/>
+              <a:t>gRPC</a:t>
+            </a:r>
+            <a:r>
+              <a:rPr lang="en-US" dirty="0"/>
+              <a:t> and .NET Core 3?</a:t>
+            </a:r>
+            <a:br>
+              <a:rPr lang="en-US" dirty="0"/>
+            </a:br>
+            <a:r>
+              <a:rPr lang="en-US" dirty="0"/>
+              <a:t>(part 2)</a:t>
+            </a:r>
+            <a:endParaRPr lang="en-GB" dirty="0"/>
+          </a:p>
+        </p:txBody>
+      </p:sp>
+      <p:pic>
+        <p:nvPicPr>
+          <p:cNvPr id="5" name="Content Placeholder 4">
+            <a:extLst>
+              <a:ext uri="{FF2B5EF4-FFF2-40B4-BE49-F238E27FC236}">
+                <a16:creationId xmlns:a16="http://schemas.microsoft.com/office/drawing/2014/main" id="{5893518B-3517-49FC-9E9E-7715025F5FB7}"/>
+              </a:ext>
+            </a:extLst>
+          </p:cNvPr>
+          <p:cNvPicPr>
+            <a:picLocks noGrp="1" noChangeAspect="1"/>
+          </p:cNvPicPr>
+          <p:nvPr>
+            <p:ph idx="1"/>
+          </p:nvPr>
+        </p:nvPicPr>
+        <p:blipFill>
+          <a:blip r:embed="rId3"/>
+          <a:stretch>
+            <a:fillRect/>
+          </a:stretch>
+        </p:blipFill>
+        <p:spPr>
+          <a:xfrm>
+            <a:off x="838200" y="2167781"/>
+            <a:ext cx="10515600" cy="3667026"/>
+          </a:xfrm>
+          <a:prstGeom prst="rect">
+            <a:avLst/>
+          </a:prstGeom>
+        </p:spPr>
+      </p:pic>
+    </p:spTree>
+    <p:extLst>
+      <p:ext uri="{BB962C8B-B14F-4D97-AF65-F5344CB8AC3E}">
+        <p14:creationId xmlns:p14="http://schemas.microsoft.com/office/powerpoint/2010/main" val="1943882301"/>
+      </p:ext>
+    </p:extLst>
+  </p:cSld>
+  <p:clrMapOvr>
+    <a:masterClrMapping/>
+  </p:clrMapOvr>
+</p:sld>
+</file>
+
+<file path=ppt/slides/slide34.xml><?xml version="1.0" encoding="utf-8"?>
+<p:sld xmlns:a="http://schemas.openxmlformats.org/drawingml/2006/main" xmlns:r="http://schemas.openxmlformats.org/officeDocument/2006/relationships" xmlns:p="http://schemas.openxmlformats.org/presentationml/2006/main">
+  <p:cSld>
+    <p:spTree>
+      <p:nvGrpSpPr>
+        <p:cNvPr id="1" name=""/>
+        <p:cNvGrpSpPr/>
+        <p:nvPr/>
+      </p:nvGrpSpPr>
+      <p:grpSpPr>
+        <a:xfrm>
+          <a:off x="0" y="0"/>
+          <a:ext cx="0" cy="0"/>
+          <a:chOff x="0" y="0"/>
+          <a:chExt cx="0" cy="0"/>
+        </a:xfrm>
+      </p:grpSpPr>
+      <p:sp>
+        <p:nvSpPr>
           <p:cNvPr id="3" name="Content Placeholder 2">
             <a:extLst>
               <a:ext uri="{FF2B5EF4-FFF2-40B4-BE49-F238E27FC236}">
@@ -16686,7 +16886,7 @@
 </p:sld>
 </file>
 
-<file path=ppt/slides/slide34.xml><?xml version="1.0" encoding="utf-8"?>
+<file path=ppt/slides/slide35.xml><?xml version="1.0" encoding="utf-8"?>
 <p:sld xmlns:a="http://schemas.openxmlformats.org/drawingml/2006/main" xmlns:r="http://schemas.openxmlformats.org/officeDocument/2006/relationships" xmlns:p="http://schemas.openxmlformats.org/presentationml/2006/main">
   <p:cSld>
     <p:spTree>
@@ -17323,7 +17523,7 @@
 </p:sld>
 </file>
 
-<file path=ppt/slides/slide35.xml><?xml version="1.0" encoding="utf-8"?>
+<file path=ppt/slides/slide36.xml><?xml version="1.0" encoding="utf-8"?>
 <p:sld xmlns:a="http://schemas.openxmlformats.org/drawingml/2006/main" xmlns:r="http://schemas.openxmlformats.org/officeDocument/2006/relationships" xmlns:p="http://schemas.openxmlformats.org/presentationml/2006/main">
   <p:cSld>
     <p:spTree>
@@ -17684,10 +17884,6 @@
               <a:buFont typeface="Arial" panose="020B0604020202020204" pitchFamily="34" charset="0"/>
               <a:buNone/>
             </a:pPr>
-            <a:r>
-              <a:rPr lang="en-US" dirty="0"/>
-              <a:t>(and questions?)</a:t>
-            </a:r>
             <a:endParaRPr lang="en-GB" dirty="0"/>
           </a:p>
         </p:txBody>

--- a/docs/talks/gRPC nologo.pptx
+++ b/docs/talks/gRPC nologo.pptx
@@ -232,7 +232,7 @@
           <a:p>
             <a:fld id="{C15D8BBE-15F5-4B28-B2DB-1CC350310DBA}" type="datetimeFigureOut">
               <a:rPr lang="en-GB" smtClean="0"/>
-              <a:t>04/09/2019</a:t>
+              <a:t>24/09/2019</a:t>
             </a:fld>
             <a:endParaRPr lang="en-GB"/>
           </a:p>
@@ -3632,7 +3632,7 @@
           <a:p>
             <a:fld id="{7D3DA4C0-E82A-4F47-8DE6-FC39AE56731A}" type="datetimeFigureOut">
               <a:rPr lang="en-GB" smtClean="0"/>
-              <a:t>04/09/2019</a:t>
+              <a:t>24/09/2019</a:t>
             </a:fld>
             <a:endParaRPr lang="en-GB"/>
           </a:p>
@@ -3832,7 +3832,7 @@
           <a:p>
             <a:fld id="{7D3DA4C0-E82A-4F47-8DE6-FC39AE56731A}" type="datetimeFigureOut">
               <a:rPr lang="en-GB" smtClean="0"/>
-              <a:t>04/09/2019</a:t>
+              <a:t>24/09/2019</a:t>
             </a:fld>
             <a:endParaRPr lang="en-GB"/>
           </a:p>
@@ -4042,7 +4042,7 @@
           <a:p>
             <a:fld id="{7D3DA4C0-E82A-4F47-8DE6-FC39AE56731A}" type="datetimeFigureOut">
               <a:rPr lang="en-GB" smtClean="0"/>
-              <a:t>04/09/2019</a:t>
+              <a:t>24/09/2019</a:t>
             </a:fld>
             <a:endParaRPr lang="en-GB"/>
           </a:p>
@@ -4242,7 +4242,7 @@
           <a:p>
             <a:fld id="{7D3DA4C0-E82A-4F47-8DE6-FC39AE56731A}" type="datetimeFigureOut">
               <a:rPr lang="en-GB" smtClean="0"/>
-              <a:t>04/09/2019</a:t>
+              <a:t>24/09/2019</a:t>
             </a:fld>
             <a:endParaRPr lang="en-GB"/>
           </a:p>
@@ -4518,7 +4518,7 @@
           <a:p>
             <a:fld id="{7D3DA4C0-E82A-4F47-8DE6-FC39AE56731A}" type="datetimeFigureOut">
               <a:rPr lang="en-GB" smtClean="0"/>
-              <a:t>04/09/2019</a:t>
+              <a:t>24/09/2019</a:t>
             </a:fld>
             <a:endParaRPr lang="en-GB"/>
           </a:p>
@@ -4786,7 +4786,7 @@
           <a:p>
             <a:fld id="{7D3DA4C0-E82A-4F47-8DE6-FC39AE56731A}" type="datetimeFigureOut">
               <a:rPr lang="en-GB" smtClean="0"/>
-              <a:t>04/09/2019</a:t>
+              <a:t>24/09/2019</a:t>
             </a:fld>
             <a:endParaRPr lang="en-GB"/>
           </a:p>
@@ -5201,7 +5201,7 @@
           <a:p>
             <a:fld id="{7D3DA4C0-E82A-4F47-8DE6-FC39AE56731A}" type="datetimeFigureOut">
               <a:rPr lang="en-GB" smtClean="0"/>
-              <a:t>04/09/2019</a:t>
+              <a:t>24/09/2019</a:t>
             </a:fld>
             <a:endParaRPr lang="en-GB"/>
           </a:p>
@@ -5343,7 +5343,7 @@
           <a:p>
             <a:fld id="{7D3DA4C0-E82A-4F47-8DE6-FC39AE56731A}" type="datetimeFigureOut">
               <a:rPr lang="en-GB" smtClean="0"/>
-              <a:t>04/09/2019</a:t>
+              <a:t>24/09/2019</a:t>
             </a:fld>
             <a:endParaRPr lang="en-GB"/>
           </a:p>
@@ -5456,7 +5456,7 @@
           <a:p>
             <a:fld id="{7D3DA4C0-E82A-4F47-8DE6-FC39AE56731A}" type="datetimeFigureOut">
               <a:rPr lang="en-GB" smtClean="0"/>
-              <a:t>04/09/2019</a:t>
+              <a:t>24/09/2019</a:t>
             </a:fld>
             <a:endParaRPr lang="en-GB"/>
           </a:p>
@@ -5769,7 +5769,7 @@
           <a:p>
             <a:fld id="{7D3DA4C0-E82A-4F47-8DE6-FC39AE56731A}" type="datetimeFigureOut">
               <a:rPr lang="en-GB" smtClean="0"/>
-              <a:t>04/09/2019</a:t>
+              <a:t>24/09/2019</a:t>
             </a:fld>
             <a:endParaRPr lang="en-GB"/>
           </a:p>
@@ -6058,7 +6058,7 @@
           <a:p>
             <a:fld id="{7D3DA4C0-E82A-4F47-8DE6-FC39AE56731A}" type="datetimeFigureOut">
               <a:rPr lang="en-GB" smtClean="0"/>
-              <a:t>04/09/2019</a:t>
+              <a:t>24/09/2019</a:t>
             </a:fld>
             <a:endParaRPr lang="en-GB"/>
           </a:p>
@@ -6301,7 +6301,7 @@
           <a:p>
             <a:fld id="{7D3DA4C0-E82A-4F47-8DE6-FC39AE56731A}" type="datetimeFigureOut">
               <a:rPr lang="en-GB" smtClean="0"/>
-              <a:t>04/09/2019</a:t>
+              <a:t>24/09/2019</a:t>
             </a:fld>
             <a:endParaRPr lang="en-GB"/>
           </a:p>
@@ -16950,7 +16950,7 @@
           <a:p>
             <a:r>
               <a:rPr lang="en-US" dirty="0"/>
-              <a:t>With .NET Core 3, Microsoft are fixing half of the problems…</a:t>
+              <a:t>With .NET Core 3, Microsoft have fixed half of the wrinkles…</a:t>
             </a:r>
           </a:p>
           <a:p>
@@ -16993,7 +16993,15 @@
           <a:p>
             <a:r>
               <a:rPr lang="en-US" dirty="0"/>
-              <a:t>Mostly pre-preview – “here be dragons”; maybe wait for preview7?</a:t>
+              <a:t>Google </a:t>
+            </a:r>
+            <a:r>
+              <a:rPr lang="en-US" dirty="0" err="1"/>
+              <a:t>gRPC</a:t>
+            </a:r>
+            <a:r>
+              <a:rPr lang="en-US" dirty="0"/>
+              <a:t> bits RTM for ages; all other bits now RTM with .NET Core 3</a:t>
             </a:r>
           </a:p>
           <a:p>
@@ -17007,10 +17015,9 @@
               <a:buNone/>
             </a:pPr>
             <a:r>
-              <a:rPr lang="en-US"/>
+              <a:rPr lang="en-US" dirty="0"/>
               <a:t>.</a:t>
             </a:r>
-            <a:endParaRPr lang="en-US" dirty="0"/>
           </a:p>
           <a:p>
             <a:pPr marL="0" indent="0">
@@ -17888,6 +17895,210 @@
           </a:p>
         </p:txBody>
       </p:sp>
+      <p:sp>
+        <p:nvSpPr>
+          <p:cNvPr id="8" name="Content Placeholder 2">
+            <a:extLst>
+              <a:ext uri="{FF2B5EF4-FFF2-40B4-BE49-F238E27FC236}">
+                <a16:creationId xmlns:a16="http://schemas.microsoft.com/office/drawing/2014/main" id="{92579687-9E6E-474A-B939-063F0554FC3D}"/>
+              </a:ext>
+            </a:extLst>
+          </p:cNvPr>
+          <p:cNvSpPr txBox="1">
+            <a:spLocks/>
+          </p:cNvSpPr>
+          <p:nvPr/>
+        </p:nvSpPr>
+        <p:spPr>
+          <a:xfrm>
+            <a:off x="1467967" y="2524560"/>
+            <a:ext cx="9681116" cy="4080533"/>
+          </a:xfrm>
+          <a:prstGeom prst="rect">
+            <a:avLst/>
+          </a:prstGeom>
+        </p:spPr>
+        <p:txBody>
+          <a:bodyPr vert="horz" lIns="91440" tIns="45720" rIns="91440" bIns="45720" rtlCol="0" anchor="ctr">
+            <a:normAutofit/>
+          </a:bodyPr>
+          <a:lstStyle>
+            <a:lvl1pPr marL="228600" indent="-228600" algn="l" defTabSz="914400" rtl="0" eaLnBrk="1" latinLnBrk="0" hangingPunct="1">
+              <a:lnSpc>
+                <a:spcPct val="90000"/>
+              </a:lnSpc>
+              <a:spcBef>
+                <a:spcPts val="1000"/>
+              </a:spcBef>
+              <a:buFont typeface="Arial" panose="020B0604020202020204" pitchFamily="34" charset="0"/>
+              <a:buChar char="•"/>
+              <a:defRPr sz="2800" kern="1200">
+                <a:solidFill>
+                  <a:schemeClr val="tx1"/>
+                </a:solidFill>
+                <a:latin typeface="+mn-lt"/>
+                <a:ea typeface="+mn-ea"/>
+                <a:cs typeface="+mn-cs"/>
+              </a:defRPr>
+            </a:lvl1pPr>
+            <a:lvl2pPr marL="685800" indent="-228600" algn="l" defTabSz="914400" rtl="0" eaLnBrk="1" latinLnBrk="0" hangingPunct="1">
+              <a:lnSpc>
+                <a:spcPct val="90000"/>
+              </a:lnSpc>
+              <a:spcBef>
+                <a:spcPts val="500"/>
+              </a:spcBef>
+              <a:buFont typeface="Arial" panose="020B0604020202020204" pitchFamily="34" charset="0"/>
+              <a:buChar char="•"/>
+              <a:defRPr sz="2400" kern="1200">
+                <a:solidFill>
+                  <a:schemeClr val="tx1"/>
+                </a:solidFill>
+                <a:latin typeface="+mn-lt"/>
+                <a:ea typeface="+mn-ea"/>
+                <a:cs typeface="+mn-cs"/>
+              </a:defRPr>
+            </a:lvl2pPr>
+            <a:lvl3pPr marL="1143000" indent="-228600" algn="l" defTabSz="914400" rtl="0" eaLnBrk="1" latinLnBrk="0" hangingPunct="1">
+              <a:lnSpc>
+                <a:spcPct val="90000"/>
+              </a:lnSpc>
+              <a:spcBef>
+                <a:spcPts val="500"/>
+              </a:spcBef>
+              <a:buFont typeface="Arial" panose="020B0604020202020204" pitchFamily="34" charset="0"/>
+              <a:buChar char="•"/>
+              <a:defRPr sz="2000" kern="1200">
+                <a:solidFill>
+                  <a:schemeClr val="tx1"/>
+                </a:solidFill>
+                <a:latin typeface="+mn-lt"/>
+                <a:ea typeface="+mn-ea"/>
+                <a:cs typeface="+mn-cs"/>
+              </a:defRPr>
+            </a:lvl3pPr>
+            <a:lvl4pPr marL="1600200" indent="-228600" algn="l" defTabSz="914400" rtl="0" eaLnBrk="1" latinLnBrk="0" hangingPunct="1">
+              <a:lnSpc>
+                <a:spcPct val="90000"/>
+              </a:lnSpc>
+              <a:spcBef>
+                <a:spcPts val="500"/>
+              </a:spcBef>
+              <a:buFont typeface="Arial" panose="020B0604020202020204" pitchFamily="34" charset="0"/>
+              <a:buChar char="•"/>
+              <a:defRPr sz="1800" kern="1200">
+                <a:solidFill>
+                  <a:schemeClr val="tx1"/>
+                </a:solidFill>
+                <a:latin typeface="+mn-lt"/>
+                <a:ea typeface="+mn-ea"/>
+                <a:cs typeface="+mn-cs"/>
+              </a:defRPr>
+            </a:lvl4pPr>
+            <a:lvl5pPr marL="2057400" indent="-228600" algn="l" defTabSz="914400" rtl="0" eaLnBrk="1" latinLnBrk="0" hangingPunct="1">
+              <a:lnSpc>
+                <a:spcPct val="90000"/>
+              </a:lnSpc>
+              <a:spcBef>
+                <a:spcPts val="500"/>
+              </a:spcBef>
+              <a:buFont typeface="Arial" panose="020B0604020202020204" pitchFamily="34" charset="0"/>
+              <a:buChar char="•"/>
+              <a:defRPr sz="1800" kern="1200">
+                <a:solidFill>
+                  <a:schemeClr val="tx1"/>
+                </a:solidFill>
+                <a:latin typeface="+mn-lt"/>
+                <a:ea typeface="+mn-ea"/>
+                <a:cs typeface="+mn-cs"/>
+              </a:defRPr>
+            </a:lvl5pPr>
+            <a:lvl6pPr marL="2514600" indent="-228600" algn="l" defTabSz="914400" rtl="0" eaLnBrk="1" latinLnBrk="0" hangingPunct="1">
+              <a:lnSpc>
+                <a:spcPct val="90000"/>
+              </a:lnSpc>
+              <a:spcBef>
+                <a:spcPts val="500"/>
+              </a:spcBef>
+              <a:buFont typeface="Arial" panose="020B0604020202020204" pitchFamily="34" charset="0"/>
+              <a:buChar char="•"/>
+              <a:defRPr sz="1800" kern="1200">
+                <a:solidFill>
+                  <a:schemeClr val="tx1"/>
+                </a:solidFill>
+                <a:latin typeface="+mn-lt"/>
+                <a:ea typeface="+mn-ea"/>
+                <a:cs typeface="+mn-cs"/>
+              </a:defRPr>
+            </a:lvl6pPr>
+            <a:lvl7pPr marL="2971800" indent="-228600" algn="l" defTabSz="914400" rtl="0" eaLnBrk="1" latinLnBrk="0" hangingPunct="1">
+              <a:lnSpc>
+                <a:spcPct val="90000"/>
+              </a:lnSpc>
+              <a:spcBef>
+                <a:spcPts val="500"/>
+              </a:spcBef>
+              <a:buFont typeface="Arial" panose="020B0604020202020204" pitchFamily="34" charset="0"/>
+              <a:buChar char="•"/>
+              <a:defRPr sz="1800" kern="1200">
+                <a:solidFill>
+                  <a:schemeClr val="tx1"/>
+                </a:solidFill>
+                <a:latin typeface="+mn-lt"/>
+                <a:ea typeface="+mn-ea"/>
+                <a:cs typeface="+mn-cs"/>
+              </a:defRPr>
+            </a:lvl7pPr>
+            <a:lvl8pPr marL="3429000" indent="-228600" algn="l" defTabSz="914400" rtl="0" eaLnBrk="1" latinLnBrk="0" hangingPunct="1">
+              <a:lnSpc>
+                <a:spcPct val="90000"/>
+              </a:lnSpc>
+              <a:spcBef>
+                <a:spcPts val="500"/>
+              </a:spcBef>
+              <a:buFont typeface="Arial" panose="020B0604020202020204" pitchFamily="34" charset="0"/>
+              <a:buChar char="•"/>
+              <a:defRPr sz="1800" kern="1200">
+                <a:solidFill>
+                  <a:schemeClr val="tx1"/>
+                </a:solidFill>
+                <a:latin typeface="+mn-lt"/>
+                <a:ea typeface="+mn-ea"/>
+                <a:cs typeface="+mn-cs"/>
+              </a:defRPr>
+            </a:lvl8pPr>
+            <a:lvl9pPr marL="3886200" indent="-228600" algn="l" defTabSz="914400" rtl="0" eaLnBrk="1" latinLnBrk="0" hangingPunct="1">
+              <a:lnSpc>
+                <a:spcPct val="90000"/>
+              </a:lnSpc>
+              <a:spcBef>
+                <a:spcPts val="500"/>
+              </a:spcBef>
+              <a:buFont typeface="Arial" panose="020B0604020202020204" pitchFamily="34" charset="0"/>
+              <a:buChar char="•"/>
+              <a:defRPr sz="1800" kern="1200">
+                <a:solidFill>
+                  <a:schemeClr val="tx1"/>
+                </a:solidFill>
+                <a:latin typeface="+mn-lt"/>
+                <a:ea typeface="+mn-ea"/>
+                <a:cs typeface="+mn-cs"/>
+              </a:defRPr>
+            </a:lvl9pPr>
+          </a:lstStyle>
+          <a:p>
+            <a:pPr marL="0" indent="0" algn="ctr">
+              <a:buFont typeface="Arial" panose="020B0604020202020204" pitchFamily="34" charset="0"/>
+              <a:buNone/>
+            </a:pPr>
+            <a:r>
+              <a:rPr lang="en-US" sz="3200" dirty="0"/>
+              <a:t>(and questions?)</a:t>
+            </a:r>
+            <a:endParaRPr lang="en-GB" sz="3200" dirty="0"/>
+          </a:p>
+        </p:txBody>
+      </p:sp>
     </p:spTree>
     <p:extLst>
       <p:ext uri="{BB962C8B-B14F-4D97-AF65-F5344CB8AC3E}">
@@ -18785,7 +18996,7 @@
         <p:spPr/>
         <p:txBody>
           <a:bodyPr>
-            <a:normAutofit fontScale="85000" lnSpcReduction="20000"/>
+            <a:normAutofit fontScale="70000" lnSpcReduction="20000"/>
           </a:bodyPr>
           <a:lstStyle/>
           <a:p>
@@ -18844,6 +19055,12 @@
             <a:r>
               <a:rPr lang="en-US" dirty="0"/>
               <a:t>A good choice for your own systems if you want efficient, robust, well-designed/implemented/tested, cross-platform RPC!</a:t>
+            </a:r>
+          </a:p>
+          <a:p>
+            <a:r>
+              <a:rPr lang="en-US" dirty="0"/>
+              <a:t>Great for micro-services!</a:t>
             </a:r>
           </a:p>
           <a:p>
@@ -19290,7 +19507,7 @@
                                         <p:tgtEl>
                                           <p:spTgt spid="3">
                                             <p:txEl>
-                                              <p:pRg st="8" end="8"/>
+                                              <p:pRg st="7" end="7"/>
                                             </p:txEl>
                                           </p:spTgt>
                                         </p:tgtEl>
@@ -19340,6 +19557,55 @@
                                           <p:spTgt spid="3">
                                             <p:txEl>
                                               <p:pRg st="9" end="9"/>
+                                            </p:txEl>
+                                          </p:spTgt>
+                                        </p:tgtEl>
+                                        <p:attrNameLst>
+                                          <p:attrName>style.visibility</p:attrName>
+                                        </p:attrNameLst>
+                                      </p:cBhvr>
+                                      <p:to>
+                                        <p:strVal val="visible"/>
+                                      </p:to>
+                                    </p:set>
+                                  </p:childTnLst>
+                                </p:cTn>
+                              </p:par>
+                            </p:childTnLst>
+                          </p:cTn>
+                        </p:par>
+                      </p:childTnLst>
+                    </p:cTn>
+                  </p:par>
+                  <p:par>
+                    <p:cTn id="39" fill="hold">
+                      <p:stCondLst>
+                        <p:cond delay="indefinite"/>
+                      </p:stCondLst>
+                      <p:childTnLst>
+                        <p:par>
+                          <p:cTn id="40" fill="hold">
+                            <p:stCondLst>
+                              <p:cond delay="0"/>
+                            </p:stCondLst>
+                            <p:childTnLst>
+                              <p:par>
+                                <p:cTn id="41" presetID="1" presetClass="entr" presetSubtype="0" fill="hold" grpId="0" nodeType="clickEffect">
+                                  <p:stCondLst>
+                                    <p:cond delay="0"/>
+                                  </p:stCondLst>
+                                  <p:childTnLst>
+                                    <p:set>
+                                      <p:cBhvr>
+                                        <p:cTn id="42" dur="1" fill="hold">
+                                          <p:stCondLst>
+                                            <p:cond delay="0"/>
+                                          </p:stCondLst>
+                                        </p:cTn>
+                                        <p:tgtEl>
+                                          <p:spTgt spid="3">
+                                            <p:txEl>
+                                              <p:pRg st="10" end="10"/>
                                             </p:txEl>
                                           </p:spTgt>
                                         </p:tgtEl>
